--- a/docs/Advanced-Controls-Flyer.pptx
+++ b/docs/Advanced-Controls-Flyer.pptx
@@ -243,7 +243,7 @@
           <a:p>
             <a:fld id="{32D99EFE-80A9-1B44-B36B-740F601C41B3}" type="datetimeFigureOut">
               <a:rPr lang="en-US" smtClean="0"/>
-              <a:t>5/4/24</a:t>
+              <a:t>11/13/24</a:t>
             </a:fld>
             <a:endParaRPr lang="en-US"/>
           </a:p>
@@ -413,7 +413,7 @@
           <a:p>
             <a:fld id="{32D99EFE-80A9-1B44-B36B-740F601C41B3}" type="datetimeFigureOut">
               <a:rPr lang="en-US" smtClean="0"/>
-              <a:t>5/4/24</a:t>
+              <a:t>11/13/24</a:t>
             </a:fld>
             <a:endParaRPr lang="en-US"/>
           </a:p>
@@ -593,7 +593,7 @@
           <a:p>
             <a:fld id="{32D99EFE-80A9-1B44-B36B-740F601C41B3}" type="datetimeFigureOut">
               <a:rPr lang="en-US" smtClean="0"/>
-              <a:t>5/4/24</a:t>
+              <a:t>11/13/24</a:t>
             </a:fld>
             <a:endParaRPr lang="en-US"/>
           </a:p>
@@ -763,7 +763,7 @@
           <a:p>
             <a:fld id="{32D99EFE-80A9-1B44-B36B-740F601C41B3}" type="datetimeFigureOut">
               <a:rPr lang="en-US" smtClean="0"/>
-              <a:t>5/4/24</a:t>
+              <a:t>11/13/24</a:t>
             </a:fld>
             <a:endParaRPr lang="en-US"/>
           </a:p>
@@ -1007,7 +1007,7 @@
           <a:p>
             <a:fld id="{32D99EFE-80A9-1B44-B36B-740F601C41B3}" type="datetimeFigureOut">
               <a:rPr lang="en-US" smtClean="0"/>
-              <a:t>5/4/24</a:t>
+              <a:t>11/13/24</a:t>
             </a:fld>
             <a:endParaRPr lang="en-US"/>
           </a:p>
@@ -1239,7 +1239,7 @@
           <a:p>
             <a:fld id="{32D99EFE-80A9-1B44-B36B-740F601C41B3}" type="datetimeFigureOut">
               <a:rPr lang="en-US" smtClean="0"/>
-              <a:t>5/4/24</a:t>
+              <a:t>11/13/24</a:t>
             </a:fld>
             <a:endParaRPr lang="en-US"/>
           </a:p>
@@ -1606,7 +1606,7 @@
           <a:p>
             <a:fld id="{32D99EFE-80A9-1B44-B36B-740F601C41B3}" type="datetimeFigureOut">
               <a:rPr lang="en-US" smtClean="0"/>
-              <a:t>5/4/24</a:t>
+              <a:t>11/13/24</a:t>
             </a:fld>
             <a:endParaRPr lang="en-US"/>
           </a:p>
@@ -1724,7 +1724,7 @@
           <a:p>
             <a:fld id="{32D99EFE-80A9-1B44-B36B-740F601C41B3}" type="datetimeFigureOut">
               <a:rPr lang="en-US" smtClean="0"/>
-              <a:t>5/4/24</a:t>
+              <a:t>11/13/24</a:t>
             </a:fld>
             <a:endParaRPr lang="en-US"/>
           </a:p>
@@ -1819,7 +1819,7 @@
           <a:p>
             <a:fld id="{32D99EFE-80A9-1B44-B36B-740F601C41B3}" type="datetimeFigureOut">
               <a:rPr lang="en-US" smtClean="0"/>
-              <a:t>5/4/24</a:t>
+              <a:t>11/13/24</a:t>
             </a:fld>
             <a:endParaRPr lang="en-US"/>
           </a:p>
@@ -2096,7 +2096,7 @@
           <a:p>
             <a:fld id="{32D99EFE-80A9-1B44-B36B-740F601C41B3}" type="datetimeFigureOut">
               <a:rPr lang="en-US" smtClean="0"/>
-              <a:t>5/4/24</a:t>
+              <a:t>11/13/24</a:t>
             </a:fld>
             <a:endParaRPr lang="en-US"/>
           </a:p>
@@ -2353,7 +2353,7 @@
           <a:p>
             <a:fld id="{32D99EFE-80A9-1B44-B36B-740F601C41B3}" type="datetimeFigureOut">
               <a:rPr lang="en-US" smtClean="0"/>
-              <a:t>5/4/24</a:t>
+              <a:t>11/13/24</a:t>
             </a:fld>
             <a:endParaRPr lang="en-US"/>
           </a:p>
@@ -2566,7 +2566,7 @@
           <a:p>
             <a:fld id="{32D99EFE-80A9-1B44-B36B-740F601C41B3}" type="datetimeFigureOut">
               <a:rPr lang="en-US" smtClean="0"/>
-              <a:t>5/4/24</a:t>
+              <a:t>11/13/24</a:t>
             </a:fld>
             <a:endParaRPr lang="en-US"/>
           </a:p>
@@ -3032,8 +3032,8 @@
         </p:nvSpPr>
         <p:spPr>
           <a:xfrm>
-            <a:off x="135915" y="115990"/>
-            <a:ext cx="7608173" cy="769441"/>
+            <a:off x="294939" y="115990"/>
+            <a:ext cx="6617581" cy="769441"/>
           </a:xfrm>
           <a:prstGeom prst="rect">
             <a:avLst/>
@@ -3048,71 +3048,22 @@
           <a:p>
             <a:r>
               <a:rPr lang="en-US" sz="2000" b="1" dirty="0"/>
-              <a:t>BIOEN 498/599: I</a:t>
-            </a:r>
-            <a:r>
-              <a:rPr lang="en-US" sz="2000" b="1" i="0" dirty="0">
-                <a:solidFill>
-                  <a:srgbClr val="222222"/>
-                </a:solidFill>
-                <a:effectLst/>
-                <a:highlight>
-                  <a:srgbClr val="FFFFFF"/>
-                </a:highlight>
-                <a:latin typeface="Arial" panose="020B0604020202020204" pitchFamily="34" charset="0"/>
-              </a:rPr>
-              <a:t>ntroduction to Closed </a:t>
-            </a:r>
-            <a:r>
-              <a:rPr lang="en-US" sz="2000" b="1" dirty="0">
-                <a:solidFill>
-                  <a:srgbClr val="222222"/>
-                </a:solidFill>
-                <a:highlight>
-                  <a:srgbClr val="FFFFFF"/>
-                </a:highlight>
-                <a:latin typeface="Arial" panose="020B0604020202020204" pitchFamily="34" charset="0"/>
-              </a:rPr>
-              <a:t>L</a:t>
-            </a:r>
-            <a:r>
-              <a:rPr lang="en-US" sz="2000" b="1" i="0" dirty="0">
-                <a:solidFill>
-                  <a:srgbClr val="222222"/>
-                </a:solidFill>
-                <a:effectLst/>
-                <a:highlight>
-                  <a:srgbClr val="FFFFFF"/>
-                </a:highlight>
-                <a:latin typeface="Arial" panose="020B0604020202020204" pitchFamily="34" charset="0"/>
-              </a:rPr>
-              <a:t>oop </a:t>
-            </a:r>
-            <a:r>
-              <a:rPr lang="en-US" sz="2000" b="1" dirty="0">
-                <a:solidFill>
-                  <a:srgbClr val="222222"/>
-                </a:solidFill>
-                <a:highlight>
-                  <a:srgbClr val="FFFFFF"/>
-                </a:highlight>
-                <a:latin typeface="Arial" panose="020B0604020202020204" pitchFamily="34" charset="0"/>
-              </a:rPr>
-              <a:t>D</a:t>
-            </a:r>
-            <a:r>
-              <a:rPr lang="en-US" sz="2000" b="1" i="0" dirty="0">
-                <a:solidFill>
-                  <a:srgbClr val="222222"/>
-                </a:solidFill>
-                <a:effectLst/>
-                <a:highlight>
-                  <a:srgbClr val="FFFFFF"/>
-                </a:highlight>
-                <a:latin typeface="Arial" panose="020B0604020202020204" pitchFamily="34" charset="0"/>
-              </a:rPr>
-              <a:t>esign in Biology</a:t>
-            </a:r>
+              <a:t>BIOEN 498/599: Biomedical </a:t>
+            </a:r>
+            <a:r>
+              <a:rPr lang="en-US" sz="2000" b="1"/>
+              <a:t>Control Systems Engineering</a:t>
+            </a:r>
+            <a:endParaRPr lang="en-US" sz="2000" b="1" i="0" dirty="0">
+              <a:solidFill>
+                <a:srgbClr val="222222"/>
+              </a:solidFill>
+              <a:effectLst/>
+              <a:highlight>
+                <a:srgbClr val="FFFFFF"/>
+              </a:highlight>
+              <a:latin typeface="Arial" panose="020B0604020202020204" pitchFamily="34" charset="0"/>
+            </a:endParaRPr>
           </a:p>
           <a:p>
             <a:r>
@@ -3159,7 +3110,7 @@
         </p:nvSpPr>
         <p:spPr>
           <a:xfrm>
-            <a:off x="308361" y="3834436"/>
+            <a:off x="294939" y="3834436"/>
             <a:ext cx="8447435" cy="2462213"/>
           </a:xfrm>
           <a:prstGeom prst="rect">
@@ -3175,7 +3126,7 @@
           <a:p>
             <a:r>
               <a:rPr lang="en-US" sz="1400" dirty="0"/>
-              <a:t>Closed loop design (control engineering) is essential to building robust systems from biochemical pathways and other open loop biological components that: regulate outputs to a setpoint; ensure stability; and minimize oscillations. The course teaches the essentials of closed loop design using mechanistic models of biochemical systems. Students will acquire the following skills:</a:t>
+              <a:t>Closed loop design (control engineering) is essential to building robust systems from biochemical pathways and other open loop biological components that: regulate outputs to a setpoint; ensure stability; and minimize oscillations. This course teaches the essentials of closed loop design using mechanistic models of biochemical systems. Students will acquire the following skills:</a:t>
             </a:r>
           </a:p>
           <a:p>
@@ -3228,12 +3179,15 @@
                 <a:latin typeface="Courier New" panose="02070309020205020404" pitchFamily="49" charset="0"/>
                 <a:cs typeface="Courier New" panose="02070309020205020404" pitchFamily="49" charset="0"/>
               </a:rPr>
-              <a:t>python</a:t>
-            </a:r>
-            <a:r>
-              <a:rPr lang="en-US" sz="1400" dirty="0"/>
-              <a:t>.</a:t>
-            </a:r>
+              <a:t>python </a:t>
+            </a:r>
+            <a:r>
+              <a:rPr lang="en-US" sz="1400" dirty="0">
+                <a:cs typeface="Courier New" panose="02070309020205020404" pitchFamily="49" charset="0"/>
+              </a:rPr>
+              <a:t>(e.g., BIOEN 336, 437/537).</a:t>
+            </a:r>
+            <a:endParaRPr lang="en-US" sz="1400" dirty="0"/>
           </a:p>
           <a:p>
             <a:pPr marL="285750" indent="-285750">
@@ -3352,7 +3306,7 @@
         </p:nvGrpSpPr>
         <p:grpSpPr>
           <a:xfrm>
-            <a:off x="408113" y="1758951"/>
+            <a:off x="294939" y="1758951"/>
             <a:ext cx="7486978" cy="1908667"/>
             <a:chOff x="308361" y="1114897"/>
             <a:chExt cx="8321617" cy="2601803"/>
@@ -3737,7 +3691,7 @@
         </p:nvSpPr>
         <p:spPr>
           <a:xfrm>
-            <a:off x="159748" y="968840"/>
+            <a:off x="294939" y="968840"/>
             <a:ext cx="8454653" cy="654025"/>
           </a:xfrm>
           <a:prstGeom prst="rect">

--- a/docs/Advanced-Controls-Flyer.pptx
+++ b/docs/Advanced-Controls-Flyer.pptx
@@ -243,7 +243,7 @@
           <a:p>
             <a:fld id="{32D99EFE-80A9-1B44-B36B-740F601C41B3}" type="datetimeFigureOut">
               <a:rPr lang="en-US" smtClean="0"/>
-              <a:t>11/13/24</a:t>
+              <a:t>4/30/25</a:t>
             </a:fld>
             <a:endParaRPr lang="en-US"/>
           </a:p>
@@ -413,7 +413,7 @@
           <a:p>
             <a:fld id="{32D99EFE-80A9-1B44-B36B-740F601C41B3}" type="datetimeFigureOut">
               <a:rPr lang="en-US" smtClean="0"/>
-              <a:t>11/13/24</a:t>
+              <a:t>4/30/25</a:t>
             </a:fld>
             <a:endParaRPr lang="en-US"/>
           </a:p>
@@ -593,7 +593,7 @@
           <a:p>
             <a:fld id="{32D99EFE-80A9-1B44-B36B-740F601C41B3}" type="datetimeFigureOut">
               <a:rPr lang="en-US" smtClean="0"/>
-              <a:t>11/13/24</a:t>
+              <a:t>4/30/25</a:t>
             </a:fld>
             <a:endParaRPr lang="en-US"/>
           </a:p>
@@ -763,7 +763,7 @@
           <a:p>
             <a:fld id="{32D99EFE-80A9-1B44-B36B-740F601C41B3}" type="datetimeFigureOut">
               <a:rPr lang="en-US" smtClean="0"/>
-              <a:t>11/13/24</a:t>
+              <a:t>4/30/25</a:t>
             </a:fld>
             <a:endParaRPr lang="en-US"/>
           </a:p>
@@ -1007,7 +1007,7 @@
           <a:p>
             <a:fld id="{32D99EFE-80A9-1B44-B36B-740F601C41B3}" type="datetimeFigureOut">
               <a:rPr lang="en-US" smtClean="0"/>
-              <a:t>11/13/24</a:t>
+              <a:t>4/30/25</a:t>
             </a:fld>
             <a:endParaRPr lang="en-US"/>
           </a:p>
@@ -1239,7 +1239,7 @@
           <a:p>
             <a:fld id="{32D99EFE-80A9-1B44-B36B-740F601C41B3}" type="datetimeFigureOut">
               <a:rPr lang="en-US" smtClean="0"/>
-              <a:t>11/13/24</a:t>
+              <a:t>4/30/25</a:t>
             </a:fld>
             <a:endParaRPr lang="en-US"/>
           </a:p>
@@ -1606,7 +1606,7 @@
           <a:p>
             <a:fld id="{32D99EFE-80A9-1B44-B36B-740F601C41B3}" type="datetimeFigureOut">
               <a:rPr lang="en-US" smtClean="0"/>
-              <a:t>11/13/24</a:t>
+              <a:t>4/30/25</a:t>
             </a:fld>
             <a:endParaRPr lang="en-US"/>
           </a:p>
@@ -1724,7 +1724,7 @@
           <a:p>
             <a:fld id="{32D99EFE-80A9-1B44-B36B-740F601C41B3}" type="datetimeFigureOut">
               <a:rPr lang="en-US" smtClean="0"/>
-              <a:t>11/13/24</a:t>
+              <a:t>4/30/25</a:t>
             </a:fld>
             <a:endParaRPr lang="en-US"/>
           </a:p>
@@ -1819,7 +1819,7 @@
           <a:p>
             <a:fld id="{32D99EFE-80A9-1B44-B36B-740F601C41B3}" type="datetimeFigureOut">
               <a:rPr lang="en-US" smtClean="0"/>
-              <a:t>11/13/24</a:t>
+              <a:t>4/30/25</a:t>
             </a:fld>
             <a:endParaRPr lang="en-US"/>
           </a:p>
@@ -2096,7 +2096,7 @@
           <a:p>
             <a:fld id="{32D99EFE-80A9-1B44-B36B-740F601C41B3}" type="datetimeFigureOut">
               <a:rPr lang="en-US" smtClean="0"/>
-              <a:t>11/13/24</a:t>
+              <a:t>4/30/25</a:t>
             </a:fld>
             <a:endParaRPr lang="en-US"/>
           </a:p>
@@ -2353,7 +2353,7 @@
           <a:p>
             <a:fld id="{32D99EFE-80A9-1B44-B36B-740F601C41B3}" type="datetimeFigureOut">
               <a:rPr lang="en-US" smtClean="0"/>
-              <a:t>11/13/24</a:t>
+              <a:t>4/30/25</a:t>
             </a:fld>
             <a:endParaRPr lang="en-US"/>
           </a:p>
@@ -2566,7 +2566,7 @@
           <a:p>
             <a:fld id="{32D99EFE-80A9-1B44-B36B-740F601C41B3}" type="datetimeFigureOut">
               <a:rPr lang="en-US" smtClean="0"/>
-              <a:t>11/13/24</a:t>
+              <a:t>4/30/25</a:t>
             </a:fld>
             <a:endParaRPr lang="en-US"/>
           </a:p>
@@ -3048,11 +3048,7 @@
           <a:p>
             <a:r>
               <a:rPr lang="en-US" sz="2000" b="1" dirty="0"/>
-              <a:t>BIOEN 498/599: Biomedical </a:t>
-            </a:r>
-            <a:r>
-              <a:rPr lang="en-US" sz="2000" b="1"/>
-              <a:t>Control Systems Engineering</a:t>
+              <a:t>BIOEN 438/538: Biomedical Control Systems Engineering</a:t>
             </a:r>
             <a:endParaRPr lang="en-US" sz="2000" b="1" i="0" dirty="0">
               <a:solidFill>
@@ -3711,8 +3707,23 @@
                 </a:solidFill>
                 <a:latin typeface="Arial" panose="020B0604020202020204" pitchFamily="34" charset="0"/>
               </a:rPr>
-              <a:t>Winter, 2025. MW 2:30-3:50.</a:t>
-            </a:r>
+              <a:t>Winter</a:t>
+            </a:r>
+            <a:r>
+              <a:rPr lang="en-US" sz="1400">
+                <a:solidFill>
+                  <a:srgbClr val="222222"/>
+                </a:solidFill>
+                <a:latin typeface="Arial" panose="020B0604020202020204" pitchFamily="34" charset="0"/>
+              </a:rPr>
+              <a:t>, 2026.</a:t>
+            </a:r>
+            <a:endParaRPr lang="en-US" sz="1400" dirty="0">
+              <a:solidFill>
+                <a:srgbClr val="222222"/>
+              </a:solidFill>
+              <a:latin typeface="Arial" panose="020B0604020202020204" pitchFamily="34" charset="0"/>
+            </a:endParaRPr>
           </a:p>
           <a:p>
             <a:r>
